--- a/report1/fig/展示图.pptx
+++ b/report1/fig/展示图.pptx
@@ -2,12 +2,12 @@
 <file path=ppt/presentation.xml><?xml version="1.0" encoding="utf-8"?>
 <p:presentation xmlns:a="http://schemas.openxmlformats.org/drawingml/2006/main" xmlns:r="http://schemas.openxmlformats.org/officeDocument/2006/relationships" xmlns:p="http://schemas.openxmlformats.org/presentationml/2006/main" saveSubsetFonts="1">
   <p:sldMasterIdLst>
-    <p:sldMasterId id="2147483672" r:id="rId1"/>
+    <p:sldMasterId id="2147483720" r:id="rId1"/>
   </p:sldMasterIdLst>
   <p:sldIdLst>
     <p:sldId id="256" r:id="rId2"/>
   </p:sldIdLst>
-  <p:sldSz cx="6480175" cy="5400675"/>
+  <p:sldSz cx="6480175" cy="3240088"/>
   <p:notesSz cx="6858000" cy="9144000"/>
   <p:defaultTextStyle>
     <a:defPPr>
@@ -104,6 +104,11 @@
       </a:defRPr>
     </a:lvl9pPr>
   </p:defaultTextStyle>
+  <p:extLst>
+    <p:ext uri="{EFAFB233-063F-42B5-8137-9DF3F51BA10A}">
+      <p15:sldGuideLst xmlns:p15="http://schemas.microsoft.com/office/powerpoint/2012/main"/>
+    </p:ext>
+  </p:extLst>
 </p:presentation>
 </file>
 
@@ -136,15 +141,15 @@
         </p:nvSpPr>
         <p:spPr>
           <a:xfrm>
-            <a:off x="486013" y="883861"/>
-            <a:ext cx="5508149" cy="1880235"/>
+            <a:off x="810022" y="530264"/>
+            <a:ext cx="4860131" cy="1128031"/>
           </a:xfrm>
         </p:spPr>
         <p:txBody>
           <a:bodyPr anchor="b"/>
           <a:lstStyle>
             <a:lvl1pPr algn="ctr">
-              <a:defRPr sz="4252"/>
+              <a:defRPr sz="2835"/>
             </a:lvl1pPr>
           </a:lstStyle>
           <a:p>
@@ -168,8 +173,8 @@
         </p:nvSpPr>
         <p:spPr>
           <a:xfrm>
-            <a:off x="810022" y="2836605"/>
-            <a:ext cx="4860131" cy="1303913"/>
+            <a:off x="810022" y="1701796"/>
+            <a:ext cx="4860131" cy="782271"/>
           </a:xfrm>
         </p:spPr>
         <p:txBody>
@@ -177,39 +182,39 @@
           <a:lstStyle>
             <a:lvl1pPr marL="0" indent="0" algn="ctr">
               <a:buNone/>
-              <a:defRPr sz="1701"/>
+              <a:defRPr sz="1134"/>
             </a:lvl1pPr>
-            <a:lvl2pPr marL="324018" indent="0" algn="ctr">
-              <a:buNone/>
-              <a:defRPr sz="1417"/>
+            <a:lvl2pPr marL="216027" indent="0" algn="ctr">
+              <a:buNone/>
+              <a:defRPr sz="945"/>
             </a:lvl2pPr>
-            <a:lvl3pPr marL="648035" indent="0" algn="ctr">
-              <a:buNone/>
-              <a:defRPr sz="1276"/>
+            <a:lvl3pPr marL="432054" indent="0" algn="ctr">
+              <a:buNone/>
+              <a:defRPr sz="851"/>
             </a:lvl3pPr>
-            <a:lvl4pPr marL="972053" indent="0" algn="ctr">
-              <a:buNone/>
-              <a:defRPr sz="1134"/>
+            <a:lvl4pPr marL="648081" indent="0" algn="ctr">
+              <a:buNone/>
+              <a:defRPr sz="756"/>
             </a:lvl4pPr>
-            <a:lvl5pPr marL="1296071" indent="0" algn="ctr">
-              <a:buNone/>
-              <a:defRPr sz="1134"/>
+            <a:lvl5pPr marL="864108" indent="0" algn="ctr">
+              <a:buNone/>
+              <a:defRPr sz="756"/>
             </a:lvl5pPr>
-            <a:lvl6pPr marL="1620088" indent="0" algn="ctr">
-              <a:buNone/>
-              <a:defRPr sz="1134"/>
+            <a:lvl6pPr marL="1080135" indent="0" algn="ctr">
+              <a:buNone/>
+              <a:defRPr sz="756"/>
             </a:lvl6pPr>
-            <a:lvl7pPr marL="1944106" indent="0" algn="ctr">
-              <a:buNone/>
-              <a:defRPr sz="1134"/>
+            <a:lvl7pPr marL="1296162" indent="0" algn="ctr">
+              <a:buNone/>
+              <a:defRPr sz="756"/>
             </a:lvl7pPr>
-            <a:lvl8pPr marL="2268123" indent="0" algn="ctr">
-              <a:buNone/>
-              <a:defRPr sz="1134"/>
+            <a:lvl8pPr marL="1512189" indent="0" algn="ctr">
+              <a:buNone/>
+              <a:defRPr sz="756"/>
             </a:lvl8pPr>
-            <a:lvl9pPr marL="2592141" indent="0" algn="ctr">
-              <a:buNone/>
-              <a:defRPr sz="1134"/>
+            <a:lvl9pPr marL="1728216" indent="0" algn="ctr">
+              <a:buNone/>
+              <a:defRPr sz="756"/>
             </a:lvl9pPr>
           </a:lstStyle>
           <a:p>
@@ -289,7 +294,7 @@
     </p:spTree>
     <p:extLst>
       <p:ext uri="{BB962C8B-B14F-4D97-AF65-F5344CB8AC3E}">
-        <p14:creationId xmlns:p14="http://schemas.microsoft.com/office/powerpoint/2010/main" val="2109583658"/>
+        <p14:creationId xmlns:p14="http://schemas.microsoft.com/office/powerpoint/2010/main" val="4187329663"/>
       </p:ext>
     </p:extLst>
   </p:cSld>
@@ -459,7 +464,7 @@
     </p:spTree>
     <p:extLst>
       <p:ext uri="{BB962C8B-B14F-4D97-AF65-F5344CB8AC3E}">
-        <p14:creationId xmlns:p14="http://schemas.microsoft.com/office/powerpoint/2010/main" val="3708699306"/>
+        <p14:creationId xmlns:p14="http://schemas.microsoft.com/office/powerpoint/2010/main" val="298141000"/>
       </p:ext>
     </p:extLst>
   </p:cSld>
@@ -498,8 +503,8 @@
         </p:nvSpPr>
         <p:spPr>
           <a:xfrm>
-            <a:off x="4637375" y="287536"/>
-            <a:ext cx="1397288" cy="4576822"/>
+            <a:off x="4637375" y="172505"/>
+            <a:ext cx="1397288" cy="2745825"/>
           </a:xfrm>
         </p:spPr>
         <p:txBody>
@@ -526,8 +531,8 @@
         </p:nvSpPr>
         <p:spPr>
           <a:xfrm>
-            <a:off x="445512" y="287536"/>
-            <a:ext cx="4110861" cy="4576822"/>
+            <a:off x="445512" y="172505"/>
+            <a:ext cx="4110861" cy="2745825"/>
           </a:xfrm>
         </p:spPr>
         <p:txBody>
@@ -639,7 +644,7 @@
     </p:spTree>
     <p:extLst>
       <p:ext uri="{BB962C8B-B14F-4D97-AF65-F5344CB8AC3E}">
-        <p14:creationId xmlns:p14="http://schemas.microsoft.com/office/powerpoint/2010/main" val="3945932990"/>
+        <p14:creationId xmlns:p14="http://schemas.microsoft.com/office/powerpoint/2010/main" val="1828001911"/>
       </p:ext>
     </p:extLst>
   </p:cSld>
@@ -809,7 +814,7 @@
     </p:spTree>
     <p:extLst>
       <p:ext uri="{BB962C8B-B14F-4D97-AF65-F5344CB8AC3E}">
-        <p14:creationId xmlns:p14="http://schemas.microsoft.com/office/powerpoint/2010/main" val="3162115894"/>
+        <p14:creationId xmlns:p14="http://schemas.microsoft.com/office/powerpoint/2010/main" val="587203895"/>
       </p:ext>
     </p:extLst>
   </p:cSld>
@@ -848,15 +853,15 @@
         </p:nvSpPr>
         <p:spPr>
           <a:xfrm>
-            <a:off x="442137" y="1346420"/>
-            <a:ext cx="5589151" cy="2246530"/>
+            <a:off x="442137" y="807773"/>
+            <a:ext cx="5589151" cy="1347786"/>
           </a:xfrm>
         </p:spPr>
         <p:txBody>
           <a:bodyPr anchor="b"/>
           <a:lstStyle>
             <a:lvl1pPr>
-              <a:defRPr sz="4252"/>
+              <a:defRPr sz="2835"/>
             </a:lvl1pPr>
           </a:lstStyle>
           <a:p>
@@ -880,8 +885,8 @@
         </p:nvSpPr>
         <p:spPr>
           <a:xfrm>
-            <a:off x="442137" y="3614203"/>
-            <a:ext cx="5589151" cy="1181397"/>
+            <a:off x="442137" y="2168309"/>
+            <a:ext cx="5589151" cy="708769"/>
           </a:xfrm>
         </p:spPr>
         <p:txBody>
@@ -889,15 +894,17 @@
           <a:lstStyle>
             <a:lvl1pPr marL="0" indent="0">
               <a:buNone/>
-              <a:defRPr sz="1701">
+              <a:defRPr sz="1134">
                 <a:solidFill>
-                  <a:schemeClr val="tx1"/>
+                  <a:schemeClr val="tx1">
+                    <a:tint val="75000"/>
+                  </a:schemeClr>
                 </a:solidFill>
               </a:defRPr>
             </a:lvl1pPr>
-            <a:lvl2pPr marL="324018" indent="0">
-              <a:buNone/>
-              <a:defRPr sz="1417">
+            <a:lvl2pPr marL="216027" indent="0">
+              <a:buNone/>
+              <a:defRPr sz="945">
                 <a:solidFill>
                   <a:schemeClr val="tx1">
                     <a:tint val="75000"/>
@@ -905,9 +912,9 @@
                 </a:solidFill>
               </a:defRPr>
             </a:lvl2pPr>
-            <a:lvl3pPr marL="648035" indent="0">
-              <a:buNone/>
-              <a:defRPr sz="1276">
+            <a:lvl3pPr marL="432054" indent="0">
+              <a:buNone/>
+              <a:defRPr sz="851">
                 <a:solidFill>
                   <a:schemeClr val="tx1">
                     <a:tint val="75000"/>
@@ -915,9 +922,9 @@
                 </a:solidFill>
               </a:defRPr>
             </a:lvl3pPr>
-            <a:lvl4pPr marL="972053" indent="0">
-              <a:buNone/>
-              <a:defRPr sz="1134">
+            <a:lvl4pPr marL="648081" indent="0">
+              <a:buNone/>
+              <a:defRPr sz="756">
                 <a:solidFill>
                   <a:schemeClr val="tx1">
                     <a:tint val="75000"/>
@@ -925,9 +932,9 @@
                 </a:solidFill>
               </a:defRPr>
             </a:lvl4pPr>
-            <a:lvl5pPr marL="1296071" indent="0">
-              <a:buNone/>
-              <a:defRPr sz="1134">
+            <a:lvl5pPr marL="864108" indent="0">
+              <a:buNone/>
+              <a:defRPr sz="756">
                 <a:solidFill>
                   <a:schemeClr val="tx1">
                     <a:tint val="75000"/>
@@ -935,9 +942,9 @@
                 </a:solidFill>
               </a:defRPr>
             </a:lvl5pPr>
-            <a:lvl6pPr marL="1620088" indent="0">
-              <a:buNone/>
-              <a:defRPr sz="1134">
+            <a:lvl6pPr marL="1080135" indent="0">
+              <a:buNone/>
+              <a:defRPr sz="756">
                 <a:solidFill>
                   <a:schemeClr val="tx1">
                     <a:tint val="75000"/>
@@ -945,9 +952,9 @@
                 </a:solidFill>
               </a:defRPr>
             </a:lvl6pPr>
-            <a:lvl7pPr marL="1944106" indent="0">
-              <a:buNone/>
-              <a:defRPr sz="1134">
+            <a:lvl7pPr marL="1296162" indent="0">
+              <a:buNone/>
+              <a:defRPr sz="756">
                 <a:solidFill>
                   <a:schemeClr val="tx1">
                     <a:tint val="75000"/>
@@ -955,9 +962,9 @@
                 </a:solidFill>
               </a:defRPr>
             </a:lvl7pPr>
-            <a:lvl8pPr marL="2268123" indent="0">
-              <a:buNone/>
-              <a:defRPr sz="1134">
+            <a:lvl8pPr marL="1512189" indent="0">
+              <a:buNone/>
+              <a:defRPr sz="756">
                 <a:solidFill>
                   <a:schemeClr val="tx1">
                     <a:tint val="75000"/>
@@ -965,9 +972,9 @@
                 </a:solidFill>
               </a:defRPr>
             </a:lvl8pPr>
-            <a:lvl9pPr marL="2592141" indent="0">
-              <a:buNone/>
-              <a:defRPr sz="1134">
+            <a:lvl9pPr marL="1728216" indent="0">
+              <a:buNone/>
+              <a:defRPr sz="756">
                 <a:solidFill>
                   <a:schemeClr val="tx1">
                     <a:tint val="75000"/>
@@ -1053,7 +1060,7 @@
     </p:spTree>
     <p:extLst>
       <p:ext uri="{BB962C8B-B14F-4D97-AF65-F5344CB8AC3E}">
-        <p14:creationId xmlns:p14="http://schemas.microsoft.com/office/powerpoint/2010/main" val="1096958976"/>
+        <p14:creationId xmlns:p14="http://schemas.microsoft.com/office/powerpoint/2010/main" val="2429219114"/>
       </p:ext>
     </p:extLst>
   </p:cSld>
@@ -1115,8 +1122,8 @@
         </p:nvSpPr>
         <p:spPr>
           <a:xfrm>
-            <a:off x="445512" y="1437680"/>
-            <a:ext cx="2754074" cy="3426679"/>
+            <a:off x="445512" y="862523"/>
+            <a:ext cx="2754074" cy="2055806"/>
           </a:xfrm>
         </p:spPr>
         <p:txBody>
@@ -1172,8 +1179,8 @@
         </p:nvSpPr>
         <p:spPr>
           <a:xfrm>
-            <a:off x="3280589" y="1437680"/>
-            <a:ext cx="2754074" cy="3426679"/>
+            <a:off x="3280589" y="862523"/>
+            <a:ext cx="2754074" cy="2055806"/>
           </a:xfrm>
         </p:spPr>
         <p:txBody>
@@ -1285,7 +1292,7 @@
     </p:spTree>
     <p:extLst>
       <p:ext uri="{BB962C8B-B14F-4D97-AF65-F5344CB8AC3E}">
-        <p14:creationId xmlns:p14="http://schemas.microsoft.com/office/powerpoint/2010/main" val="3850077549"/>
+        <p14:creationId xmlns:p14="http://schemas.microsoft.com/office/powerpoint/2010/main" val="4189500454"/>
       </p:ext>
     </p:extLst>
   </p:cSld>
@@ -1324,8 +1331,8 @@
         </p:nvSpPr>
         <p:spPr>
           <a:xfrm>
-            <a:off x="446356" y="287537"/>
-            <a:ext cx="5589151" cy="1043881"/>
+            <a:off x="446356" y="172505"/>
+            <a:ext cx="5589151" cy="626267"/>
           </a:xfrm>
         </p:spPr>
         <p:txBody>
@@ -1352,8 +1359,8 @@
         </p:nvSpPr>
         <p:spPr>
           <a:xfrm>
-            <a:off x="446357" y="1323916"/>
-            <a:ext cx="2741417" cy="648831"/>
+            <a:off x="446356" y="794272"/>
+            <a:ext cx="2741418" cy="389260"/>
           </a:xfrm>
         </p:spPr>
         <p:txBody>
@@ -1361,39 +1368,39 @@
           <a:lstStyle>
             <a:lvl1pPr marL="0" indent="0">
               <a:buNone/>
-              <a:defRPr sz="1701" b="1"/>
+              <a:defRPr sz="1134" b="1"/>
             </a:lvl1pPr>
-            <a:lvl2pPr marL="324018" indent="0">
-              <a:buNone/>
-              <a:defRPr sz="1417" b="1"/>
+            <a:lvl2pPr marL="216027" indent="0">
+              <a:buNone/>
+              <a:defRPr sz="945" b="1"/>
             </a:lvl2pPr>
-            <a:lvl3pPr marL="648035" indent="0">
-              <a:buNone/>
-              <a:defRPr sz="1276" b="1"/>
+            <a:lvl3pPr marL="432054" indent="0">
+              <a:buNone/>
+              <a:defRPr sz="851" b="1"/>
             </a:lvl3pPr>
-            <a:lvl4pPr marL="972053" indent="0">
-              <a:buNone/>
-              <a:defRPr sz="1134" b="1"/>
+            <a:lvl4pPr marL="648081" indent="0">
+              <a:buNone/>
+              <a:defRPr sz="756" b="1"/>
             </a:lvl4pPr>
-            <a:lvl5pPr marL="1296071" indent="0">
-              <a:buNone/>
-              <a:defRPr sz="1134" b="1"/>
+            <a:lvl5pPr marL="864108" indent="0">
+              <a:buNone/>
+              <a:defRPr sz="756" b="1"/>
             </a:lvl5pPr>
-            <a:lvl6pPr marL="1620088" indent="0">
-              <a:buNone/>
-              <a:defRPr sz="1134" b="1"/>
+            <a:lvl6pPr marL="1080135" indent="0">
+              <a:buNone/>
+              <a:defRPr sz="756" b="1"/>
             </a:lvl6pPr>
-            <a:lvl7pPr marL="1944106" indent="0">
-              <a:buNone/>
-              <a:defRPr sz="1134" b="1"/>
+            <a:lvl7pPr marL="1296162" indent="0">
+              <a:buNone/>
+              <a:defRPr sz="756" b="1"/>
             </a:lvl7pPr>
-            <a:lvl8pPr marL="2268123" indent="0">
-              <a:buNone/>
-              <a:defRPr sz="1134" b="1"/>
+            <a:lvl8pPr marL="1512189" indent="0">
+              <a:buNone/>
+              <a:defRPr sz="756" b="1"/>
             </a:lvl8pPr>
-            <a:lvl9pPr marL="2592141" indent="0">
-              <a:buNone/>
-              <a:defRPr sz="1134" b="1"/>
+            <a:lvl9pPr marL="1728216" indent="0">
+              <a:buNone/>
+              <a:defRPr sz="756" b="1"/>
             </a:lvl9pPr>
           </a:lstStyle>
           <a:p>
@@ -1417,8 +1424,8 @@
         </p:nvSpPr>
         <p:spPr>
           <a:xfrm>
-            <a:off x="446357" y="1972747"/>
-            <a:ext cx="2741417" cy="2901613"/>
+            <a:off x="446356" y="1183532"/>
+            <a:ext cx="2741418" cy="1740798"/>
           </a:xfrm>
         </p:spPr>
         <p:txBody>
@@ -1474,8 +1481,8 @@
         </p:nvSpPr>
         <p:spPr>
           <a:xfrm>
-            <a:off x="3280589" y="1323916"/>
-            <a:ext cx="2754918" cy="648831"/>
+            <a:off x="3280589" y="794272"/>
+            <a:ext cx="2754918" cy="389260"/>
           </a:xfrm>
         </p:spPr>
         <p:txBody>
@@ -1483,39 +1490,39 @@
           <a:lstStyle>
             <a:lvl1pPr marL="0" indent="0">
               <a:buNone/>
-              <a:defRPr sz="1701" b="1"/>
+              <a:defRPr sz="1134" b="1"/>
             </a:lvl1pPr>
-            <a:lvl2pPr marL="324018" indent="0">
-              <a:buNone/>
-              <a:defRPr sz="1417" b="1"/>
+            <a:lvl2pPr marL="216027" indent="0">
+              <a:buNone/>
+              <a:defRPr sz="945" b="1"/>
             </a:lvl2pPr>
-            <a:lvl3pPr marL="648035" indent="0">
-              <a:buNone/>
-              <a:defRPr sz="1276" b="1"/>
+            <a:lvl3pPr marL="432054" indent="0">
+              <a:buNone/>
+              <a:defRPr sz="851" b="1"/>
             </a:lvl3pPr>
-            <a:lvl4pPr marL="972053" indent="0">
-              <a:buNone/>
-              <a:defRPr sz="1134" b="1"/>
+            <a:lvl4pPr marL="648081" indent="0">
+              <a:buNone/>
+              <a:defRPr sz="756" b="1"/>
             </a:lvl4pPr>
-            <a:lvl5pPr marL="1296071" indent="0">
-              <a:buNone/>
-              <a:defRPr sz="1134" b="1"/>
+            <a:lvl5pPr marL="864108" indent="0">
+              <a:buNone/>
+              <a:defRPr sz="756" b="1"/>
             </a:lvl5pPr>
-            <a:lvl6pPr marL="1620088" indent="0">
-              <a:buNone/>
-              <a:defRPr sz="1134" b="1"/>
+            <a:lvl6pPr marL="1080135" indent="0">
+              <a:buNone/>
+              <a:defRPr sz="756" b="1"/>
             </a:lvl6pPr>
-            <a:lvl7pPr marL="1944106" indent="0">
-              <a:buNone/>
-              <a:defRPr sz="1134" b="1"/>
+            <a:lvl7pPr marL="1296162" indent="0">
+              <a:buNone/>
+              <a:defRPr sz="756" b="1"/>
             </a:lvl7pPr>
-            <a:lvl8pPr marL="2268123" indent="0">
-              <a:buNone/>
-              <a:defRPr sz="1134" b="1"/>
+            <a:lvl8pPr marL="1512189" indent="0">
+              <a:buNone/>
+              <a:defRPr sz="756" b="1"/>
             </a:lvl8pPr>
-            <a:lvl9pPr marL="2592141" indent="0">
-              <a:buNone/>
-              <a:defRPr sz="1134" b="1"/>
+            <a:lvl9pPr marL="1728216" indent="0">
+              <a:buNone/>
+              <a:defRPr sz="756" b="1"/>
             </a:lvl9pPr>
           </a:lstStyle>
           <a:p>
@@ -1539,8 +1546,8 @@
         </p:nvSpPr>
         <p:spPr>
           <a:xfrm>
-            <a:off x="3280589" y="1972747"/>
-            <a:ext cx="2754918" cy="2901613"/>
+            <a:off x="3280589" y="1183532"/>
+            <a:ext cx="2754918" cy="1740798"/>
           </a:xfrm>
         </p:spPr>
         <p:txBody>
@@ -1652,7 +1659,7 @@
     </p:spTree>
     <p:extLst>
       <p:ext uri="{BB962C8B-B14F-4D97-AF65-F5344CB8AC3E}">
-        <p14:creationId xmlns:p14="http://schemas.microsoft.com/office/powerpoint/2010/main" val="2294119416"/>
+        <p14:creationId xmlns:p14="http://schemas.microsoft.com/office/powerpoint/2010/main" val="1156782672"/>
       </p:ext>
     </p:extLst>
   </p:cSld>
@@ -1770,7 +1777,7 @@
     </p:spTree>
     <p:extLst>
       <p:ext uri="{BB962C8B-B14F-4D97-AF65-F5344CB8AC3E}">
-        <p14:creationId xmlns:p14="http://schemas.microsoft.com/office/powerpoint/2010/main" val="1049524783"/>
+        <p14:creationId xmlns:p14="http://schemas.microsoft.com/office/powerpoint/2010/main" val="3414419492"/>
       </p:ext>
     </p:extLst>
   </p:cSld>
@@ -1865,7 +1872,7 @@
     </p:spTree>
     <p:extLst>
       <p:ext uri="{BB962C8B-B14F-4D97-AF65-F5344CB8AC3E}">
-        <p14:creationId xmlns:p14="http://schemas.microsoft.com/office/powerpoint/2010/main" val="4140678545"/>
+        <p14:creationId xmlns:p14="http://schemas.microsoft.com/office/powerpoint/2010/main" val="1204611904"/>
       </p:ext>
     </p:extLst>
   </p:cSld>
@@ -1904,15 +1911,15 @@
         </p:nvSpPr>
         <p:spPr>
           <a:xfrm>
-            <a:off x="446356" y="360045"/>
-            <a:ext cx="2090025" cy="1260158"/>
+            <a:off x="446356" y="216006"/>
+            <a:ext cx="2090025" cy="756021"/>
           </a:xfrm>
         </p:spPr>
         <p:txBody>
           <a:bodyPr anchor="b"/>
           <a:lstStyle>
             <a:lvl1pPr>
-              <a:defRPr sz="2268"/>
+              <a:defRPr sz="1512"/>
             </a:lvl1pPr>
           </a:lstStyle>
           <a:p>
@@ -1936,39 +1943,39 @@
         </p:nvSpPr>
         <p:spPr>
           <a:xfrm>
-            <a:off x="2754918" y="777598"/>
-            <a:ext cx="3280589" cy="3837980"/>
+            <a:off x="2754918" y="466513"/>
+            <a:ext cx="3280589" cy="2302563"/>
           </a:xfrm>
         </p:spPr>
         <p:txBody>
           <a:bodyPr/>
           <a:lstStyle>
             <a:lvl1pPr>
-              <a:defRPr sz="2268"/>
+              <a:defRPr sz="1512"/>
             </a:lvl1pPr>
             <a:lvl2pPr>
-              <a:defRPr sz="1984"/>
+              <a:defRPr sz="1323"/>
             </a:lvl2pPr>
             <a:lvl3pPr>
-              <a:defRPr sz="1701"/>
+              <a:defRPr sz="1134"/>
             </a:lvl3pPr>
             <a:lvl4pPr>
-              <a:defRPr sz="1417"/>
+              <a:defRPr sz="945"/>
             </a:lvl4pPr>
             <a:lvl5pPr>
-              <a:defRPr sz="1417"/>
+              <a:defRPr sz="945"/>
             </a:lvl5pPr>
             <a:lvl6pPr>
-              <a:defRPr sz="1417"/>
+              <a:defRPr sz="945"/>
             </a:lvl6pPr>
             <a:lvl7pPr>
-              <a:defRPr sz="1417"/>
+              <a:defRPr sz="945"/>
             </a:lvl7pPr>
             <a:lvl8pPr>
-              <a:defRPr sz="1417"/>
+              <a:defRPr sz="945"/>
             </a:lvl8pPr>
             <a:lvl9pPr>
-              <a:defRPr sz="1417"/>
+              <a:defRPr sz="945"/>
             </a:lvl9pPr>
           </a:lstStyle>
           <a:p>
@@ -2021,8 +2028,8 @@
         </p:nvSpPr>
         <p:spPr>
           <a:xfrm>
-            <a:off x="446356" y="1620202"/>
-            <a:ext cx="2090025" cy="3001626"/>
+            <a:off x="446356" y="972026"/>
+            <a:ext cx="2090025" cy="1800799"/>
           </a:xfrm>
         </p:spPr>
         <p:txBody>
@@ -2030,39 +2037,39 @@
           <a:lstStyle>
             <a:lvl1pPr marL="0" indent="0">
               <a:buNone/>
-              <a:defRPr sz="1134"/>
+              <a:defRPr sz="756"/>
             </a:lvl1pPr>
-            <a:lvl2pPr marL="324018" indent="0">
-              <a:buNone/>
-              <a:defRPr sz="992"/>
+            <a:lvl2pPr marL="216027" indent="0">
+              <a:buNone/>
+              <a:defRPr sz="662"/>
             </a:lvl2pPr>
-            <a:lvl3pPr marL="648035" indent="0">
-              <a:buNone/>
-              <a:defRPr sz="850"/>
+            <a:lvl3pPr marL="432054" indent="0">
+              <a:buNone/>
+              <a:defRPr sz="567"/>
             </a:lvl3pPr>
-            <a:lvl4pPr marL="972053" indent="0">
-              <a:buNone/>
-              <a:defRPr sz="709"/>
+            <a:lvl4pPr marL="648081" indent="0">
+              <a:buNone/>
+              <a:defRPr sz="472"/>
             </a:lvl4pPr>
-            <a:lvl5pPr marL="1296071" indent="0">
-              <a:buNone/>
-              <a:defRPr sz="709"/>
+            <a:lvl5pPr marL="864108" indent="0">
+              <a:buNone/>
+              <a:defRPr sz="472"/>
             </a:lvl5pPr>
-            <a:lvl6pPr marL="1620088" indent="0">
-              <a:buNone/>
-              <a:defRPr sz="709"/>
+            <a:lvl6pPr marL="1080135" indent="0">
+              <a:buNone/>
+              <a:defRPr sz="472"/>
             </a:lvl6pPr>
-            <a:lvl7pPr marL="1944106" indent="0">
-              <a:buNone/>
-              <a:defRPr sz="709"/>
+            <a:lvl7pPr marL="1296162" indent="0">
+              <a:buNone/>
+              <a:defRPr sz="472"/>
             </a:lvl7pPr>
-            <a:lvl8pPr marL="2268123" indent="0">
-              <a:buNone/>
-              <a:defRPr sz="709"/>
+            <a:lvl8pPr marL="1512189" indent="0">
+              <a:buNone/>
+              <a:defRPr sz="472"/>
             </a:lvl8pPr>
-            <a:lvl9pPr marL="2592141" indent="0">
-              <a:buNone/>
-              <a:defRPr sz="709"/>
+            <a:lvl9pPr marL="1728216" indent="0">
+              <a:buNone/>
+              <a:defRPr sz="472"/>
             </a:lvl9pPr>
           </a:lstStyle>
           <a:p>
@@ -2142,7 +2149,7 @@
     </p:spTree>
     <p:extLst>
       <p:ext uri="{BB962C8B-B14F-4D97-AF65-F5344CB8AC3E}">
-        <p14:creationId xmlns:p14="http://schemas.microsoft.com/office/powerpoint/2010/main" val="570852453"/>
+        <p14:creationId xmlns:p14="http://schemas.microsoft.com/office/powerpoint/2010/main" val="1275693179"/>
       </p:ext>
     </p:extLst>
   </p:cSld>
@@ -2181,15 +2188,15 @@
         </p:nvSpPr>
         <p:spPr>
           <a:xfrm>
-            <a:off x="446356" y="360045"/>
-            <a:ext cx="2090025" cy="1260158"/>
+            <a:off x="446356" y="216006"/>
+            <a:ext cx="2090025" cy="756021"/>
           </a:xfrm>
         </p:spPr>
         <p:txBody>
           <a:bodyPr anchor="b"/>
           <a:lstStyle>
             <a:lvl1pPr>
-              <a:defRPr sz="2268"/>
+              <a:defRPr sz="1512"/>
             </a:lvl1pPr>
           </a:lstStyle>
           <a:p>
@@ -2213,8 +2220,8 @@
         </p:nvSpPr>
         <p:spPr>
           <a:xfrm>
-            <a:off x="2754918" y="777598"/>
-            <a:ext cx="3280589" cy="3837980"/>
+            <a:off x="2754918" y="466513"/>
+            <a:ext cx="3280589" cy="2302563"/>
           </a:xfrm>
         </p:spPr>
         <p:txBody>
@@ -2222,39 +2229,39 @@
           <a:lstStyle>
             <a:lvl1pPr marL="0" indent="0">
               <a:buNone/>
-              <a:defRPr sz="2268"/>
+              <a:defRPr sz="1512"/>
             </a:lvl1pPr>
-            <a:lvl2pPr marL="324018" indent="0">
-              <a:buNone/>
-              <a:defRPr sz="1984"/>
+            <a:lvl2pPr marL="216027" indent="0">
+              <a:buNone/>
+              <a:defRPr sz="1323"/>
             </a:lvl2pPr>
-            <a:lvl3pPr marL="648035" indent="0">
-              <a:buNone/>
-              <a:defRPr sz="1701"/>
+            <a:lvl3pPr marL="432054" indent="0">
+              <a:buNone/>
+              <a:defRPr sz="1134"/>
             </a:lvl3pPr>
-            <a:lvl4pPr marL="972053" indent="0">
-              <a:buNone/>
-              <a:defRPr sz="1417"/>
+            <a:lvl4pPr marL="648081" indent="0">
+              <a:buNone/>
+              <a:defRPr sz="945"/>
             </a:lvl4pPr>
-            <a:lvl5pPr marL="1296071" indent="0">
-              <a:buNone/>
-              <a:defRPr sz="1417"/>
+            <a:lvl5pPr marL="864108" indent="0">
+              <a:buNone/>
+              <a:defRPr sz="945"/>
             </a:lvl5pPr>
-            <a:lvl6pPr marL="1620088" indent="0">
-              <a:buNone/>
-              <a:defRPr sz="1417"/>
+            <a:lvl6pPr marL="1080135" indent="0">
+              <a:buNone/>
+              <a:defRPr sz="945"/>
             </a:lvl6pPr>
-            <a:lvl7pPr marL="1944106" indent="0">
-              <a:buNone/>
-              <a:defRPr sz="1417"/>
+            <a:lvl7pPr marL="1296162" indent="0">
+              <a:buNone/>
+              <a:defRPr sz="945"/>
             </a:lvl7pPr>
-            <a:lvl8pPr marL="2268123" indent="0">
-              <a:buNone/>
-              <a:defRPr sz="1417"/>
+            <a:lvl8pPr marL="1512189" indent="0">
+              <a:buNone/>
+              <a:defRPr sz="945"/>
             </a:lvl8pPr>
-            <a:lvl9pPr marL="2592141" indent="0">
-              <a:buNone/>
-              <a:defRPr sz="1417"/>
+            <a:lvl9pPr marL="1728216" indent="0">
+              <a:buNone/>
+              <a:defRPr sz="945"/>
             </a:lvl9pPr>
           </a:lstStyle>
           <a:p>
@@ -2278,8 +2285,8 @@
         </p:nvSpPr>
         <p:spPr>
           <a:xfrm>
-            <a:off x="446356" y="1620202"/>
-            <a:ext cx="2090025" cy="3001626"/>
+            <a:off x="446356" y="972026"/>
+            <a:ext cx="2090025" cy="1800799"/>
           </a:xfrm>
         </p:spPr>
         <p:txBody>
@@ -2287,39 +2294,39 @@
           <a:lstStyle>
             <a:lvl1pPr marL="0" indent="0">
               <a:buNone/>
-              <a:defRPr sz="1134"/>
+              <a:defRPr sz="756"/>
             </a:lvl1pPr>
-            <a:lvl2pPr marL="324018" indent="0">
-              <a:buNone/>
-              <a:defRPr sz="992"/>
+            <a:lvl2pPr marL="216027" indent="0">
+              <a:buNone/>
+              <a:defRPr sz="662"/>
             </a:lvl2pPr>
-            <a:lvl3pPr marL="648035" indent="0">
-              <a:buNone/>
-              <a:defRPr sz="850"/>
+            <a:lvl3pPr marL="432054" indent="0">
+              <a:buNone/>
+              <a:defRPr sz="567"/>
             </a:lvl3pPr>
-            <a:lvl4pPr marL="972053" indent="0">
-              <a:buNone/>
-              <a:defRPr sz="709"/>
+            <a:lvl4pPr marL="648081" indent="0">
+              <a:buNone/>
+              <a:defRPr sz="472"/>
             </a:lvl4pPr>
-            <a:lvl5pPr marL="1296071" indent="0">
-              <a:buNone/>
-              <a:defRPr sz="709"/>
+            <a:lvl5pPr marL="864108" indent="0">
+              <a:buNone/>
+              <a:defRPr sz="472"/>
             </a:lvl5pPr>
-            <a:lvl6pPr marL="1620088" indent="0">
-              <a:buNone/>
-              <a:defRPr sz="709"/>
+            <a:lvl6pPr marL="1080135" indent="0">
+              <a:buNone/>
+              <a:defRPr sz="472"/>
             </a:lvl6pPr>
-            <a:lvl7pPr marL="1944106" indent="0">
-              <a:buNone/>
-              <a:defRPr sz="709"/>
+            <a:lvl7pPr marL="1296162" indent="0">
+              <a:buNone/>
+              <a:defRPr sz="472"/>
             </a:lvl7pPr>
-            <a:lvl8pPr marL="2268123" indent="0">
-              <a:buNone/>
-              <a:defRPr sz="709"/>
+            <a:lvl8pPr marL="1512189" indent="0">
+              <a:buNone/>
+              <a:defRPr sz="472"/>
             </a:lvl8pPr>
-            <a:lvl9pPr marL="2592141" indent="0">
-              <a:buNone/>
-              <a:defRPr sz="709"/>
+            <a:lvl9pPr marL="1728216" indent="0">
+              <a:buNone/>
+              <a:defRPr sz="472"/>
             </a:lvl9pPr>
           </a:lstStyle>
           <a:p>
@@ -2399,7 +2406,7 @@
     </p:spTree>
     <p:extLst>
       <p:ext uri="{BB962C8B-B14F-4D97-AF65-F5344CB8AC3E}">
-        <p14:creationId xmlns:p14="http://schemas.microsoft.com/office/powerpoint/2010/main" val="1531826396"/>
+        <p14:creationId xmlns:p14="http://schemas.microsoft.com/office/powerpoint/2010/main" val="255271916"/>
       </p:ext>
     </p:extLst>
   </p:cSld>
@@ -2443,8 +2450,8 @@
         </p:nvSpPr>
         <p:spPr>
           <a:xfrm>
-            <a:off x="445512" y="287537"/>
-            <a:ext cx="5589151" cy="1043881"/>
+            <a:off x="445512" y="172505"/>
+            <a:ext cx="5589151" cy="626267"/>
           </a:xfrm>
           <a:prstGeom prst="rect">
             <a:avLst/>
@@ -2476,8 +2483,8 @@
         </p:nvSpPr>
         <p:spPr>
           <a:xfrm>
-            <a:off x="445512" y="1437680"/>
-            <a:ext cx="5589151" cy="3426679"/>
+            <a:off x="445512" y="862523"/>
+            <a:ext cx="5589151" cy="2055806"/>
           </a:xfrm>
           <a:prstGeom prst="rect">
             <a:avLst/>
@@ -2538,8 +2545,8 @@
         </p:nvSpPr>
         <p:spPr>
           <a:xfrm>
-            <a:off x="445512" y="5005627"/>
-            <a:ext cx="1458039" cy="287536"/>
+            <a:off x="445512" y="3003082"/>
+            <a:ext cx="1458039" cy="172505"/>
           </a:xfrm>
           <a:prstGeom prst="rect">
             <a:avLst/>
@@ -2549,7 +2556,7 @@
           <a:bodyPr vert="horz" lIns="91440" tIns="45720" rIns="91440" bIns="45720" rtlCol="0" anchor="ctr"/>
           <a:lstStyle>
             <a:lvl1pPr algn="l">
-              <a:defRPr sz="850">
+              <a:defRPr sz="567">
                 <a:solidFill>
                   <a:schemeClr val="tx1">
                     <a:tint val="75000"/>
@@ -2579,8 +2586,8 @@
         </p:nvSpPr>
         <p:spPr>
           <a:xfrm>
-            <a:off x="2146558" y="5005627"/>
-            <a:ext cx="2187059" cy="287536"/>
+            <a:off x="2146558" y="3003082"/>
+            <a:ext cx="2187059" cy="172505"/>
           </a:xfrm>
           <a:prstGeom prst="rect">
             <a:avLst/>
@@ -2590,7 +2597,7 @@
           <a:bodyPr vert="horz" lIns="91440" tIns="45720" rIns="91440" bIns="45720" rtlCol="0" anchor="ctr"/>
           <a:lstStyle>
             <a:lvl1pPr algn="ctr">
-              <a:defRPr sz="850">
+              <a:defRPr sz="567">
                 <a:solidFill>
                   <a:schemeClr val="tx1">
                     <a:tint val="75000"/>
@@ -2616,8 +2623,8 @@
         </p:nvSpPr>
         <p:spPr>
           <a:xfrm>
-            <a:off x="4576624" y="5005627"/>
-            <a:ext cx="1458039" cy="287536"/>
+            <a:off x="4576624" y="3003082"/>
+            <a:ext cx="1458039" cy="172505"/>
           </a:xfrm>
           <a:prstGeom prst="rect">
             <a:avLst/>
@@ -2627,7 +2634,7 @@
           <a:bodyPr vert="horz" lIns="91440" tIns="45720" rIns="91440" bIns="45720" rtlCol="0" anchor="ctr"/>
           <a:lstStyle>
             <a:lvl1pPr algn="r">
-              <a:defRPr sz="850">
+              <a:defRPr sz="567">
                 <a:solidFill>
                   <a:schemeClr val="tx1">
                     <a:tint val="75000"/>
@@ -2648,27 +2655,27 @@
     </p:spTree>
     <p:extLst>
       <p:ext uri="{BB962C8B-B14F-4D97-AF65-F5344CB8AC3E}">
-        <p14:creationId xmlns:p14="http://schemas.microsoft.com/office/powerpoint/2010/main" val="3122256595"/>
+        <p14:creationId xmlns:p14="http://schemas.microsoft.com/office/powerpoint/2010/main" val="2924738013"/>
       </p:ext>
     </p:extLst>
   </p:cSld>
   <p:clrMap bg1="lt1" tx1="dk1" bg2="lt2" tx2="dk2" accent1="accent1" accent2="accent2" accent3="accent3" accent4="accent4" accent5="accent5" accent6="accent6" hlink="hlink" folHlink="folHlink"/>
   <p:sldLayoutIdLst>
-    <p:sldLayoutId id="2147483673" r:id="rId1"/>
-    <p:sldLayoutId id="2147483674" r:id="rId2"/>
-    <p:sldLayoutId id="2147483675" r:id="rId3"/>
-    <p:sldLayoutId id="2147483676" r:id="rId4"/>
-    <p:sldLayoutId id="2147483677" r:id="rId5"/>
-    <p:sldLayoutId id="2147483678" r:id="rId6"/>
-    <p:sldLayoutId id="2147483679" r:id="rId7"/>
-    <p:sldLayoutId id="2147483680" r:id="rId8"/>
-    <p:sldLayoutId id="2147483681" r:id="rId9"/>
-    <p:sldLayoutId id="2147483682" r:id="rId10"/>
-    <p:sldLayoutId id="2147483683" r:id="rId11"/>
+    <p:sldLayoutId id="2147483721" r:id="rId1"/>
+    <p:sldLayoutId id="2147483722" r:id="rId2"/>
+    <p:sldLayoutId id="2147483723" r:id="rId3"/>
+    <p:sldLayoutId id="2147483724" r:id="rId4"/>
+    <p:sldLayoutId id="2147483725" r:id="rId5"/>
+    <p:sldLayoutId id="2147483726" r:id="rId6"/>
+    <p:sldLayoutId id="2147483727" r:id="rId7"/>
+    <p:sldLayoutId id="2147483728" r:id="rId8"/>
+    <p:sldLayoutId id="2147483729" r:id="rId9"/>
+    <p:sldLayoutId id="2147483730" r:id="rId10"/>
+    <p:sldLayoutId id="2147483731" r:id="rId11"/>
   </p:sldLayoutIdLst>
   <p:txStyles>
     <p:titleStyle>
-      <a:lvl1pPr algn="l" defTabSz="648035" rtl="0" eaLnBrk="1" latinLnBrk="0" hangingPunct="1">
+      <a:lvl1pPr algn="l" defTabSz="432054" rtl="0" eaLnBrk="1" latinLnBrk="0" hangingPunct="1">
         <a:lnSpc>
           <a:spcPct val="90000"/>
         </a:lnSpc>
@@ -2676,7 +2683,7 @@
           <a:spcPct val="0"/>
         </a:spcBef>
         <a:buNone/>
-        <a:defRPr sz="3118" kern="1200">
+        <a:defRPr sz="2079" kern="1200">
           <a:solidFill>
             <a:schemeClr val="tx1"/>
           </a:solidFill>
@@ -2687,16 +2694,16 @@
       </a:lvl1pPr>
     </p:titleStyle>
     <p:bodyStyle>
-      <a:lvl1pPr marL="162009" indent="-162009" algn="l" defTabSz="648035" rtl="0" eaLnBrk="1" latinLnBrk="0" hangingPunct="1">
+      <a:lvl1pPr marL="108014" indent="-108014" algn="l" defTabSz="432054" rtl="0" eaLnBrk="1" latinLnBrk="0" hangingPunct="1">
         <a:lnSpc>
           <a:spcPct val="90000"/>
         </a:lnSpc>
         <a:spcBef>
-          <a:spcPts val="709"/>
+          <a:spcPts val="472"/>
         </a:spcBef>
         <a:buFont typeface="Arial" panose="020B0604020202020204" pitchFamily="34" charset="0"/>
         <a:buChar char="•"/>
-        <a:defRPr sz="1984" kern="1200">
+        <a:defRPr sz="1323" kern="1200">
           <a:solidFill>
             <a:schemeClr val="tx1"/>
           </a:solidFill>
@@ -2705,16 +2712,16 @@
           <a:cs typeface="+mn-cs"/>
         </a:defRPr>
       </a:lvl1pPr>
-      <a:lvl2pPr marL="486026" indent="-162009" algn="l" defTabSz="648035" rtl="0" eaLnBrk="1" latinLnBrk="0" hangingPunct="1">
+      <a:lvl2pPr marL="324041" indent="-108014" algn="l" defTabSz="432054" rtl="0" eaLnBrk="1" latinLnBrk="0" hangingPunct="1">
         <a:lnSpc>
           <a:spcPct val="90000"/>
         </a:lnSpc>
         <a:spcBef>
-          <a:spcPts val="354"/>
+          <a:spcPts val="236"/>
         </a:spcBef>
         <a:buFont typeface="Arial" panose="020B0604020202020204" pitchFamily="34" charset="0"/>
         <a:buChar char="•"/>
-        <a:defRPr sz="1701" kern="1200">
+        <a:defRPr sz="1134" kern="1200">
           <a:solidFill>
             <a:schemeClr val="tx1"/>
           </a:solidFill>
@@ -2723,16 +2730,16 @@
           <a:cs typeface="+mn-cs"/>
         </a:defRPr>
       </a:lvl2pPr>
-      <a:lvl3pPr marL="810044" indent="-162009" algn="l" defTabSz="648035" rtl="0" eaLnBrk="1" latinLnBrk="0" hangingPunct="1">
+      <a:lvl3pPr marL="540068" indent="-108014" algn="l" defTabSz="432054" rtl="0" eaLnBrk="1" latinLnBrk="0" hangingPunct="1">
         <a:lnSpc>
           <a:spcPct val="90000"/>
         </a:lnSpc>
         <a:spcBef>
-          <a:spcPts val="354"/>
+          <a:spcPts val="236"/>
         </a:spcBef>
         <a:buFont typeface="Arial" panose="020B0604020202020204" pitchFamily="34" charset="0"/>
         <a:buChar char="•"/>
-        <a:defRPr sz="1417" kern="1200">
+        <a:defRPr sz="945" kern="1200">
           <a:solidFill>
             <a:schemeClr val="tx1"/>
           </a:solidFill>
@@ -2741,16 +2748,16 @@
           <a:cs typeface="+mn-cs"/>
         </a:defRPr>
       </a:lvl3pPr>
-      <a:lvl4pPr marL="1134062" indent="-162009" algn="l" defTabSz="648035" rtl="0" eaLnBrk="1" latinLnBrk="0" hangingPunct="1">
+      <a:lvl4pPr marL="756095" indent="-108014" algn="l" defTabSz="432054" rtl="0" eaLnBrk="1" latinLnBrk="0" hangingPunct="1">
         <a:lnSpc>
           <a:spcPct val="90000"/>
         </a:lnSpc>
         <a:spcBef>
-          <a:spcPts val="354"/>
+          <a:spcPts val="236"/>
         </a:spcBef>
         <a:buFont typeface="Arial" panose="020B0604020202020204" pitchFamily="34" charset="0"/>
         <a:buChar char="•"/>
-        <a:defRPr sz="1276" kern="1200">
+        <a:defRPr sz="851" kern="1200">
           <a:solidFill>
             <a:schemeClr val="tx1"/>
           </a:solidFill>
@@ -2759,16 +2766,16 @@
           <a:cs typeface="+mn-cs"/>
         </a:defRPr>
       </a:lvl4pPr>
-      <a:lvl5pPr marL="1458079" indent="-162009" algn="l" defTabSz="648035" rtl="0" eaLnBrk="1" latinLnBrk="0" hangingPunct="1">
+      <a:lvl5pPr marL="972122" indent="-108014" algn="l" defTabSz="432054" rtl="0" eaLnBrk="1" latinLnBrk="0" hangingPunct="1">
         <a:lnSpc>
           <a:spcPct val="90000"/>
         </a:lnSpc>
         <a:spcBef>
-          <a:spcPts val="354"/>
+          <a:spcPts val="236"/>
         </a:spcBef>
         <a:buFont typeface="Arial" panose="020B0604020202020204" pitchFamily="34" charset="0"/>
         <a:buChar char="•"/>
-        <a:defRPr sz="1276" kern="1200">
+        <a:defRPr sz="851" kern="1200">
           <a:solidFill>
             <a:schemeClr val="tx1"/>
           </a:solidFill>
@@ -2777,16 +2784,16 @@
           <a:cs typeface="+mn-cs"/>
         </a:defRPr>
       </a:lvl5pPr>
-      <a:lvl6pPr marL="1782097" indent="-162009" algn="l" defTabSz="648035" rtl="0" eaLnBrk="1" latinLnBrk="0" hangingPunct="1">
+      <a:lvl6pPr marL="1188149" indent="-108014" algn="l" defTabSz="432054" rtl="0" eaLnBrk="1" latinLnBrk="0" hangingPunct="1">
         <a:lnSpc>
           <a:spcPct val="90000"/>
         </a:lnSpc>
         <a:spcBef>
-          <a:spcPts val="354"/>
+          <a:spcPts val="236"/>
         </a:spcBef>
         <a:buFont typeface="Arial" panose="020B0604020202020204" pitchFamily="34" charset="0"/>
         <a:buChar char="•"/>
-        <a:defRPr sz="1276" kern="1200">
+        <a:defRPr sz="851" kern="1200">
           <a:solidFill>
             <a:schemeClr val="tx1"/>
           </a:solidFill>
@@ -2795,16 +2802,16 @@
           <a:cs typeface="+mn-cs"/>
         </a:defRPr>
       </a:lvl6pPr>
-      <a:lvl7pPr marL="2106115" indent="-162009" algn="l" defTabSz="648035" rtl="0" eaLnBrk="1" latinLnBrk="0" hangingPunct="1">
+      <a:lvl7pPr marL="1404176" indent="-108014" algn="l" defTabSz="432054" rtl="0" eaLnBrk="1" latinLnBrk="0" hangingPunct="1">
         <a:lnSpc>
           <a:spcPct val="90000"/>
         </a:lnSpc>
         <a:spcBef>
-          <a:spcPts val="354"/>
+          <a:spcPts val="236"/>
         </a:spcBef>
         <a:buFont typeface="Arial" panose="020B0604020202020204" pitchFamily="34" charset="0"/>
         <a:buChar char="•"/>
-        <a:defRPr sz="1276" kern="1200">
+        <a:defRPr sz="851" kern="1200">
           <a:solidFill>
             <a:schemeClr val="tx1"/>
           </a:solidFill>
@@ -2813,16 +2820,16 @@
           <a:cs typeface="+mn-cs"/>
         </a:defRPr>
       </a:lvl7pPr>
-      <a:lvl8pPr marL="2430132" indent="-162009" algn="l" defTabSz="648035" rtl="0" eaLnBrk="1" latinLnBrk="0" hangingPunct="1">
+      <a:lvl8pPr marL="1620203" indent="-108014" algn="l" defTabSz="432054" rtl="0" eaLnBrk="1" latinLnBrk="0" hangingPunct="1">
         <a:lnSpc>
           <a:spcPct val="90000"/>
         </a:lnSpc>
         <a:spcBef>
-          <a:spcPts val="354"/>
+          <a:spcPts val="236"/>
         </a:spcBef>
         <a:buFont typeface="Arial" panose="020B0604020202020204" pitchFamily="34" charset="0"/>
         <a:buChar char="•"/>
-        <a:defRPr sz="1276" kern="1200">
+        <a:defRPr sz="851" kern="1200">
           <a:solidFill>
             <a:schemeClr val="tx1"/>
           </a:solidFill>
@@ -2831,16 +2838,16 @@
           <a:cs typeface="+mn-cs"/>
         </a:defRPr>
       </a:lvl8pPr>
-      <a:lvl9pPr marL="2754150" indent="-162009" algn="l" defTabSz="648035" rtl="0" eaLnBrk="1" latinLnBrk="0" hangingPunct="1">
+      <a:lvl9pPr marL="1836230" indent="-108014" algn="l" defTabSz="432054" rtl="0" eaLnBrk="1" latinLnBrk="0" hangingPunct="1">
         <a:lnSpc>
           <a:spcPct val="90000"/>
         </a:lnSpc>
         <a:spcBef>
-          <a:spcPts val="354"/>
+          <a:spcPts val="236"/>
         </a:spcBef>
         <a:buFont typeface="Arial" panose="020B0604020202020204" pitchFamily="34" charset="0"/>
         <a:buChar char="•"/>
-        <a:defRPr sz="1276" kern="1200">
+        <a:defRPr sz="851" kern="1200">
           <a:solidFill>
             <a:schemeClr val="tx1"/>
           </a:solidFill>
@@ -2854,8 +2861,8 @@
       <a:defPPr>
         <a:defRPr lang="en-US"/>
       </a:defPPr>
-      <a:lvl1pPr marL="0" algn="l" defTabSz="648035" rtl="0" eaLnBrk="1" latinLnBrk="0" hangingPunct="1">
-        <a:defRPr sz="1276" kern="1200">
+      <a:lvl1pPr marL="0" algn="l" defTabSz="432054" rtl="0" eaLnBrk="1" latinLnBrk="0" hangingPunct="1">
+        <a:defRPr sz="851" kern="1200">
           <a:solidFill>
             <a:schemeClr val="tx1"/>
           </a:solidFill>
@@ -2864,8 +2871,8 @@
           <a:cs typeface="+mn-cs"/>
         </a:defRPr>
       </a:lvl1pPr>
-      <a:lvl2pPr marL="324018" algn="l" defTabSz="648035" rtl="0" eaLnBrk="1" latinLnBrk="0" hangingPunct="1">
-        <a:defRPr sz="1276" kern="1200">
+      <a:lvl2pPr marL="216027" algn="l" defTabSz="432054" rtl="0" eaLnBrk="1" latinLnBrk="0" hangingPunct="1">
+        <a:defRPr sz="851" kern="1200">
           <a:solidFill>
             <a:schemeClr val="tx1"/>
           </a:solidFill>
@@ -2874,8 +2881,8 @@
           <a:cs typeface="+mn-cs"/>
         </a:defRPr>
       </a:lvl2pPr>
-      <a:lvl3pPr marL="648035" algn="l" defTabSz="648035" rtl="0" eaLnBrk="1" latinLnBrk="0" hangingPunct="1">
-        <a:defRPr sz="1276" kern="1200">
+      <a:lvl3pPr marL="432054" algn="l" defTabSz="432054" rtl="0" eaLnBrk="1" latinLnBrk="0" hangingPunct="1">
+        <a:defRPr sz="851" kern="1200">
           <a:solidFill>
             <a:schemeClr val="tx1"/>
           </a:solidFill>
@@ -2884,8 +2891,8 @@
           <a:cs typeface="+mn-cs"/>
         </a:defRPr>
       </a:lvl3pPr>
-      <a:lvl4pPr marL="972053" algn="l" defTabSz="648035" rtl="0" eaLnBrk="1" latinLnBrk="0" hangingPunct="1">
-        <a:defRPr sz="1276" kern="1200">
+      <a:lvl4pPr marL="648081" algn="l" defTabSz="432054" rtl="0" eaLnBrk="1" latinLnBrk="0" hangingPunct="1">
+        <a:defRPr sz="851" kern="1200">
           <a:solidFill>
             <a:schemeClr val="tx1"/>
           </a:solidFill>
@@ -2894,8 +2901,8 @@
           <a:cs typeface="+mn-cs"/>
         </a:defRPr>
       </a:lvl4pPr>
-      <a:lvl5pPr marL="1296071" algn="l" defTabSz="648035" rtl="0" eaLnBrk="1" latinLnBrk="0" hangingPunct="1">
-        <a:defRPr sz="1276" kern="1200">
+      <a:lvl5pPr marL="864108" algn="l" defTabSz="432054" rtl="0" eaLnBrk="1" latinLnBrk="0" hangingPunct="1">
+        <a:defRPr sz="851" kern="1200">
           <a:solidFill>
             <a:schemeClr val="tx1"/>
           </a:solidFill>
@@ -2904,8 +2911,8 @@
           <a:cs typeface="+mn-cs"/>
         </a:defRPr>
       </a:lvl5pPr>
-      <a:lvl6pPr marL="1620088" algn="l" defTabSz="648035" rtl="0" eaLnBrk="1" latinLnBrk="0" hangingPunct="1">
-        <a:defRPr sz="1276" kern="1200">
+      <a:lvl6pPr marL="1080135" algn="l" defTabSz="432054" rtl="0" eaLnBrk="1" latinLnBrk="0" hangingPunct="1">
+        <a:defRPr sz="851" kern="1200">
           <a:solidFill>
             <a:schemeClr val="tx1"/>
           </a:solidFill>
@@ -2914,8 +2921,8 @@
           <a:cs typeface="+mn-cs"/>
         </a:defRPr>
       </a:lvl6pPr>
-      <a:lvl7pPr marL="1944106" algn="l" defTabSz="648035" rtl="0" eaLnBrk="1" latinLnBrk="0" hangingPunct="1">
-        <a:defRPr sz="1276" kern="1200">
+      <a:lvl7pPr marL="1296162" algn="l" defTabSz="432054" rtl="0" eaLnBrk="1" latinLnBrk="0" hangingPunct="1">
+        <a:defRPr sz="851" kern="1200">
           <a:solidFill>
             <a:schemeClr val="tx1"/>
           </a:solidFill>
@@ -2924,8 +2931,8 @@
           <a:cs typeface="+mn-cs"/>
         </a:defRPr>
       </a:lvl7pPr>
-      <a:lvl8pPr marL="2268123" algn="l" defTabSz="648035" rtl="0" eaLnBrk="1" latinLnBrk="0" hangingPunct="1">
-        <a:defRPr sz="1276" kern="1200">
+      <a:lvl8pPr marL="1512189" algn="l" defTabSz="432054" rtl="0" eaLnBrk="1" latinLnBrk="0" hangingPunct="1">
+        <a:defRPr sz="851" kern="1200">
           <a:solidFill>
             <a:schemeClr val="tx1"/>
           </a:solidFill>
@@ -2934,8 +2941,8 @@
           <a:cs typeface="+mn-cs"/>
         </a:defRPr>
       </a:lvl8pPr>
-      <a:lvl9pPr marL="2592141" algn="l" defTabSz="648035" rtl="0" eaLnBrk="1" latinLnBrk="0" hangingPunct="1">
-        <a:defRPr sz="1276" kern="1200">
+      <a:lvl9pPr marL="1728216" algn="l" defTabSz="432054" rtl="0" eaLnBrk="1" latinLnBrk="0" hangingPunct="1">
+        <a:defRPr sz="851" kern="1200">
           <a:solidFill>
             <a:schemeClr val="tx1"/>
           </a:solidFill>
@@ -2968,46 +2975,10 @@
       </p:grpSpPr>
       <p:pic>
         <p:nvPicPr>
-          <p:cNvPr id="5" name="图片 4">
+          <p:cNvPr id="34" name="图片 33">
             <a:extLst>
               <a:ext uri="{FF2B5EF4-FFF2-40B4-BE49-F238E27FC236}">
-                <a16:creationId xmlns:a16="http://schemas.microsoft.com/office/drawing/2014/main" id="{9420D034-0020-4B06-BD35-B2DDBE118999}"/>
-              </a:ext>
-            </a:extLst>
-          </p:cNvPr>
-          <p:cNvPicPr>
-            <a:picLocks noChangeAspect="1"/>
-          </p:cNvPicPr>
-          <p:nvPr/>
-        </p:nvPicPr>
-        <p:blipFill>
-          <a:blip r:embed="rId2">
-            <a:extLst>
-              <a:ext uri="{28A0092B-C50C-407E-A947-70E740481C1C}">
-                <a14:useLocalDpi xmlns:a14="http://schemas.microsoft.com/office/drawing/2010/main" val="0"/>
-              </a:ext>
-            </a:extLst>
-          </a:blip>
-          <a:stretch>
-            <a:fillRect/>
-          </a:stretch>
-        </p:blipFill>
-        <p:spPr>
-          <a:xfrm>
-            <a:off x="1967859" y="2057068"/>
-            <a:ext cx="2544455" cy="3600000"/>
-          </a:xfrm>
-          <a:prstGeom prst="rect">
-            <a:avLst/>
-          </a:prstGeom>
-        </p:spPr>
-      </p:pic>
-      <p:pic>
-        <p:nvPicPr>
-          <p:cNvPr id="7" name="图片 6">
-            <a:extLst>
-              <a:ext uri="{FF2B5EF4-FFF2-40B4-BE49-F238E27FC236}">
-                <a16:creationId xmlns:a16="http://schemas.microsoft.com/office/drawing/2014/main" id="{8FAC356E-EFE4-41E7-9E8A-662244195F13}"/>
+                <a16:creationId xmlns:a16="http://schemas.microsoft.com/office/drawing/2014/main" id="{8F0DA4BA-5BEF-4467-AEA6-FBA5B025A784}"/>
               </a:ext>
             </a:extLst>
           </p:cNvPr>
@@ -3017,7 +2988,7 @@
           <p:nvPr/>
         </p:nvPicPr>
         <p:blipFill rotWithShape="1">
-          <a:blip r:embed="rId3">
+          <a:blip r:embed="rId2">
             <a:extLst>
               <a:ext uri="{28A0092B-C50C-407E-A947-70E740481C1C}">
                 <a14:useLocalDpi xmlns:a14="http://schemas.microsoft.com/office/drawing/2010/main" val="0"/>
@@ -3029,7 +3000,7 @@
         </p:blipFill>
         <p:spPr>
           <a:xfrm>
-            <a:off x="724795" y="7620"/>
+            <a:off x="400647" y="562642"/>
             <a:ext cx="2290006" cy="2377440"/>
           </a:xfrm>
           <a:prstGeom prst="rect">
@@ -3037,47 +3008,103 @@
           </a:prstGeom>
         </p:spPr>
       </p:pic>
-      <p:pic>
-        <p:nvPicPr>
-          <p:cNvPr id="9" name="图片 8">
+      <p:cxnSp>
+        <p:nvCxnSpPr>
+          <p:cNvPr id="35" name="连接符: 肘形 34">
             <a:extLst>
               <a:ext uri="{FF2B5EF4-FFF2-40B4-BE49-F238E27FC236}">
-                <a16:creationId xmlns:a16="http://schemas.microsoft.com/office/drawing/2014/main" id="{E0F6BBCE-277E-43B3-ABD4-CE63A383D96A}"/>
+                <a16:creationId xmlns:a16="http://schemas.microsoft.com/office/drawing/2014/main" id="{55F2CCA6-CA1F-4C66-8277-9393F31EAC72}"/>
               </a:ext>
             </a:extLst>
           </p:cNvPr>
-          <p:cNvPicPr>
-            <a:picLocks noChangeAspect="1"/>
-          </p:cNvPicPr>
+          <p:cNvCxnSpPr>
+            <a:stCxn id="34" idx="3"/>
+            <a:endCxn id="39" idx="1"/>
+          </p:cNvCxnSpPr>
           <p:nvPr/>
-        </p:nvPicPr>
-        <p:blipFill rotWithShape="1">
-          <a:blip r:embed="rId4">
+        </p:nvCxnSpPr>
+        <p:spPr>
+          <a:xfrm flipV="1">
+            <a:off x="2690653" y="905256"/>
+            <a:ext cx="1337300" cy="846106"/>
+          </a:xfrm>
+          <a:prstGeom prst="bentConnector3">
+            <a:avLst/>
+          </a:prstGeom>
+          <a:ln w="19050">
+            <a:solidFill>
+              <a:schemeClr val="tx1"/>
+            </a:solidFill>
+            <a:tailEnd type="triangle"/>
+          </a:ln>
+        </p:spPr>
+        <p:style>
+          <a:lnRef idx="1">
+            <a:schemeClr val="accent1"/>
+          </a:lnRef>
+          <a:fillRef idx="0">
+            <a:schemeClr val="accent1"/>
+          </a:fillRef>
+          <a:effectRef idx="0">
+            <a:schemeClr val="accent1"/>
+          </a:effectRef>
+          <a:fontRef idx="minor">
+            <a:schemeClr val="tx1"/>
+          </a:fontRef>
+        </p:style>
+      </p:cxnSp>
+      <p:cxnSp>
+        <p:nvCxnSpPr>
+          <p:cNvPr id="36" name="连接符: 肘形 35">
             <a:extLst>
-              <a:ext uri="{28A0092B-C50C-407E-A947-70E740481C1C}">
-                <a14:useLocalDpi xmlns:a14="http://schemas.microsoft.com/office/drawing/2010/main" val="0"/>
+              <a:ext uri="{FF2B5EF4-FFF2-40B4-BE49-F238E27FC236}">
+                <a16:creationId xmlns:a16="http://schemas.microsoft.com/office/drawing/2014/main" id="{E5C49938-3CE8-4C76-BB3B-BE62301436A1}"/>
               </a:ext>
             </a:extLst>
-          </a:blip>
-          <a:srcRect t="18345" b="8277"/>
-          <a:stretch/>
-        </p:blipFill>
+          </p:cNvPr>
+          <p:cNvCxnSpPr>
+            <a:cxnSpLocks/>
+            <a:stCxn id="34" idx="3"/>
+            <a:endCxn id="42" idx="1"/>
+          </p:cNvCxnSpPr>
+          <p:nvPr/>
+        </p:nvCxnSpPr>
         <p:spPr>
           <a:xfrm>
-            <a:off x="3335693" y="7620"/>
-            <a:ext cx="2290006" cy="2377440"/>
+            <a:off x="2690653" y="1751362"/>
+            <a:ext cx="1337300" cy="1019270"/>
           </a:xfrm>
-          <a:prstGeom prst="rect">
+          <a:prstGeom prst="bentConnector3">
             <a:avLst/>
           </a:prstGeom>
+          <a:ln w="19050">
+            <a:solidFill>
+              <a:schemeClr val="tx1"/>
+            </a:solidFill>
+            <a:tailEnd type="triangle"/>
+          </a:ln>
         </p:spPr>
-      </p:pic>
-      <p:sp>
-        <p:nvSpPr>
-          <p:cNvPr id="10" name="文本框 9">
+        <p:style>
+          <a:lnRef idx="1">
+            <a:schemeClr val="accent1"/>
+          </a:lnRef>
+          <a:fillRef idx="0">
+            <a:schemeClr val="accent1"/>
+          </a:fillRef>
+          <a:effectRef idx="0">
+            <a:schemeClr val="accent1"/>
+          </a:effectRef>
+          <a:fontRef idx="minor">
+            <a:schemeClr val="tx1"/>
+          </a:fontRef>
+        </p:style>
+      </p:cxnSp>
+      <p:sp>
+        <p:nvSpPr>
+          <p:cNvPr id="37" name="文本框 36">
             <a:extLst>
               <a:ext uri="{FF2B5EF4-FFF2-40B4-BE49-F238E27FC236}">
-                <a16:creationId xmlns:a16="http://schemas.microsoft.com/office/drawing/2014/main" id="{70D8713C-257A-4F69-9BFF-FB73B70218A4}"/>
+                <a16:creationId xmlns:a16="http://schemas.microsoft.com/office/drawing/2014/main" id="{F6C1EDCE-EA17-42E9-B278-34B7A8380D0A}"/>
               </a:ext>
             </a:extLst>
           </p:cNvPr>
@@ -3086,8 +3113,8 @@
         </p:nvSpPr>
         <p:spPr>
           <a:xfrm>
-            <a:off x="1698918" y="2261949"/>
-            <a:ext cx="341760" cy="246221"/>
+            <a:off x="822960" y="2705338"/>
+            <a:ext cx="1072896" cy="246221"/>
           </a:xfrm>
           <a:prstGeom prst="rect">
             <a:avLst/>
@@ -3095,109 +3122,200 @@
           <a:noFill/>
         </p:spPr>
         <p:txBody>
-          <a:bodyPr wrap="none" rtlCol="0">
+          <a:bodyPr wrap="square" rtlCol="0">
             <a:spAutoFit/>
           </a:bodyPr>
           <a:lstStyle/>
           <a:p>
             <a:r>
-              <a:rPr lang="en-US" altLang="zh-CN" sz="1000" dirty="0">
-                <a:latin typeface="Arial" panose="020B0604020202020204" pitchFamily="34" charset="0"/>
-                <a:cs typeface="Arial" panose="020B0604020202020204" pitchFamily="34" charset="0"/>
-              </a:rPr>
-              <a:t>(a)</a:t>
-            </a:r>
-            <a:endParaRPr lang="zh-CN" altLang="en-US" sz="1000" dirty="0">
-              <a:latin typeface="Arial" panose="020B0604020202020204" pitchFamily="34" charset="0"/>
-              <a:cs typeface="Arial" panose="020B0604020202020204" pitchFamily="34" charset="0"/>
-            </a:endParaRPr>
-          </a:p>
-        </p:txBody>
-      </p:sp>
-      <p:sp>
-        <p:nvSpPr>
-          <p:cNvPr id="11" name="文本框 10">
+              <a:rPr lang="zh-CN" altLang="en-US" sz="1000" b="1" dirty="0"/>
+              <a:t>电动轮椅系统</a:t>
+            </a:r>
+          </a:p>
+        </p:txBody>
+      </p:sp>
+      <p:grpSp>
+        <p:nvGrpSpPr>
+          <p:cNvPr id="38" name="组合 37">
             <a:extLst>
               <a:ext uri="{FF2B5EF4-FFF2-40B4-BE49-F238E27FC236}">
-                <a16:creationId xmlns:a16="http://schemas.microsoft.com/office/drawing/2014/main" id="{D93055E0-F41A-4785-974E-1B9C46E88BD9}"/>
+                <a16:creationId xmlns:a16="http://schemas.microsoft.com/office/drawing/2014/main" id="{67245EED-7C7B-4FD5-8651-721D087F0BAF}"/>
               </a:ext>
             </a:extLst>
           </p:cNvPr>
-          <p:cNvSpPr txBox="1"/>
+          <p:cNvGrpSpPr/>
           <p:nvPr/>
-        </p:nvSpPr>
-        <p:spPr>
+        </p:nvGrpSpPr>
+        <p:grpSpPr>
           <a:xfrm>
-            <a:off x="4341434" y="2261949"/>
-            <a:ext cx="341760" cy="246221"/>
+            <a:off x="4027953" y="-152400"/>
+            <a:ext cx="2035560" cy="2238422"/>
+            <a:chOff x="4027953" y="188976"/>
+            <a:chExt cx="2035560" cy="2238422"/>
           </a:xfrm>
-          <a:prstGeom prst="rect">
-            <a:avLst/>
-          </a:prstGeom>
-          <a:noFill/>
-        </p:spPr>
-        <p:txBody>
-          <a:bodyPr wrap="none" rtlCol="0">
-            <a:spAutoFit/>
-          </a:bodyPr>
-          <a:lstStyle/>
-          <a:p>
-            <a:r>
-              <a:rPr lang="en-US" altLang="zh-CN" sz="1000" dirty="0">
-                <a:latin typeface="Arial" panose="020B0604020202020204" pitchFamily="34" charset="0"/>
-                <a:cs typeface="Arial" panose="020B0604020202020204" pitchFamily="34" charset="0"/>
-              </a:rPr>
-              <a:t>(b)</a:t>
-            </a:r>
-            <a:endParaRPr lang="zh-CN" altLang="en-US" sz="1000" dirty="0">
-              <a:latin typeface="Arial" panose="020B0604020202020204" pitchFamily="34" charset="0"/>
-              <a:cs typeface="Arial" panose="020B0604020202020204" pitchFamily="34" charset="0"/>
-            </a:endParaRPr>
-          </a:p>
-        </p:txBody>
-      </p:sp>
-      <p:sp>
-        <p:nvSpPr>
-          <p:cNvPr id="12" name="文本框 11">
+        </p:grpSpPr>
+        <p:pic>
+          <p:nvPicPr>
+            <p:cNvPr id="39" name="图片 38">
+              <a:extLst>
+                <a:ext uri="{FF2B5EF4-FFF2-40B4-BE49-F238E27FC236}">
+                  <a16:creationId xmlns:a16="http://schemas.microsoft.com/office/drawing/2014/main" id="{898A99D0-99F5-43F9-B1A3-A43F3A14ECA7}"/>
+                </a:ext>
+              </a:extLst>
+            </p:cNvPr>
+            <p:cNvPicPr>
+              <a:picLocks noChangeAspect="1"/>
+            </p:cNvPicPr>
+            <p:nvPr/>
+          </p:nvPicPr>
+          <p:blipFill rotWithShape="1">
+            <a:blip r:embed="rId3">
+              <a:extLst>
+                <a:ext uri="{28A0092B-C50C-407E-A947-70E740481C1C}">
+                  <a14:useLocalDpi xmlns:a14="http://schemas.microsoft.com/office/drawing/2010/main" val="0"/>
+                </a:ext>
+              </a:extLst>
+            </a:blip>
+            <a:srcRect t="15662" b="10889"/>
+            <a:stretch/>
+          </p:blipFill>
+          <p:spPr>
+            <a:xfrm>
+              <a:off x="4027953" y="188976"/>
+              <a:ext cx="2035560" cy="2115312"/>
+            </a:xfrm>
+            <a:prstGeom prst="rect">
+              <a:avLst/>
+            </a:prstGeom>
+          </p:spPr>
+        </p:pic>
+        <p:sp>
+          <p:nvSpPr>
+            <p:cNvPr id="40" name="文本框 39">
+              <a:extLst>
+                <a:ext uri="{FF2B5EF4-FFF2-40B4-BE49-F238E27FC236}">
+                  <a16:creationId xmlns:a16="http://schemas.microsoft.com/office/drawing/2014/main" id="{14E5CAC6-344C-41A8-9153-C5905939E693}"/>
+                </a:ext>
+              </a:extLst>
+            </p:cNvPr>
+            <p:cNvSpPr txBox="1"/>
+            <p:nvPr/>
+          </p:nvSpPr>
+          <p:spPr>
+            <a:xfrm>
+              <a:off x="4376928" y="2181177"/>
+              <a:ext cx="1072896" cy="246221"/>
+            </a:xfrm>
+            <a:prstGeom prst="rect">
+              <a:avLst/>
+            </a:prstGeom>
+            <a:noFill/>
+          </p:spPr>
+          <p:txBody>
+            <a:bodyPr wrap="square" rtlCol="0">
+              <a:spAutoFit/>
+            </a:bodyPr>
+            <a:lstStyle/>
+            <a:p>
+              <a:r>
+                <a:rPr lang="zh-CN" altLang="en-US" sz="1000" b="1" dirty="0"/>
+                <a:t>机械主体模块</a:t>
+              </a:r>
+            </a:p>
+          </p:txBody>
+        </p:sp>
+      </p:grpSp>
+      <p:grpSp>
+        <p:nvGrpSpPr>
+          <p:cNvPr id="41" name="组合 40">
             <a:extLst>
               <a:ext uri="{FF2B5EF4-FFF2-40B4-BE49-F238E27FC236}">
-                <a16:creationId xmlns:a16="http://schemas.microsoft.com/office/drawing/2014/main" id="{1CDAE0FA-C1BB-4AEB-AE52-BA07EAFB9A79}"/>
+                <a16:creationId xmlns:a16="http://schemas.microsoft.com/office/drawing/2014/main" id="{7B028F36-4A46-40FE-BA79-BAFD5B99253E}"/>
               </a:ext>
             </a:extLst>
           </p:cNvPr>
-          <p:cNvSpPr txBox="1"/>
+          <p:cNvGrpSpPr/>
           <p:nvPr/>
-        </p:nvSpPr>
-        <p:spPr>
+        </p:nvGrpSpPr>
+        <p:grpSpPr>
           <a:xfrm>
-            <a:off x="3069206" y="5088969"/>
-            <a:ext cx="335348" cy="246221"/>
+            <a:off x="4027953" y="2383536"/>
+            <a:ext cx="2035560" cy="899113"/>
+            <a:chOff x="4027953" y="2724912"/>
+            <a:chExt cx="2035560" cy="899113"/>
           </a:xfrm>
-          <a:prstGeom prst="rect">
-            <a:avLst/>
-          </a:prstGeom>
-          <a:noFill/>
-        </p:spPr>
-        <p:txBody>
-          <a:bodyPr wrap="none" rtlCol="0">
-            <a:spAutoFit/>
-          </a:bodyPr>
-          <a:lstStyle/>
-          <a:p>
-            <a:r>
-              <a:rPr lang="en-US" altLang="zh-CN" sz="1000" dirty="0">
-                <a:latin typeface="Arial" panose="020B0604020202020204" pitchFamily="34" charset="0"/>
-                <a:cs typeface="Arial" panose="020B0604020202020204" pitchFamily="34" charset="0"/>
-              </a:rPr>
-              <a:t>(c)</a:t>
-            </a:r>
-            <a:endParaRPr lang="zh-CN" altLang="en-US" sz="1000" dirty="0">
-              <a:latin typeface="Arial" panose="020B0604020202020204" pitchFamily="34" charset="0"/>
-              <a:cs typeface="Arial" panose="020B0604020202020204" pitchFamily="34" charset="0"/>
-            </a:endParaRPr>
-          </a:p>
-        </p:txBody>
-      </p:sp>
+        </p:grpSpPr>
+        <p:pic>
+          <p:nvPicPr>
+            <p:cNvPr id="42" name="图片 41">
+              <a:extLst>
+                <a:ext uri="{FF2B5EF4-FFF2-40B4-BE49-F238E27FC236}">
+                  <a16:creationId xmlns:a16="http://schemas.microsoft.com/office/drawing/2014/main" id="{E0D738DD-AC9D-4BE5-BF4D-225C44FBE7E7}"/>
+                </a:ext>
+              </a:extLst>
+            </p:cNvPr>
+            <p:cNvPicPr>
+              <a:picLocks noChangeAspect="1"/>
+            </p:cNvPicPr>
+            <p:nvPr/>
+          </p:nvPicPr>
+          <p:blipFill rotWithShape="1">
+            <a:blip r:embed="rId4">
+              <a:extLst>
+                <a:ext uri="{28A0092B-C50C-407E-A947-70E740481C1C}">
+                  <a14:useLocalDpi xmlns:a14="http://schemas.microsoft.com/office/drawing/2010/main" val="0"/>
+                </a:ext>
+              </a:extLst>
+            </a:blip>
+            <a:srcRect t="62229" b="10889"/>
+            <a:stretch/>
+          </p:blipFill>
+          <p:spPr>
+            <a:xfrm>
+              <a:off x="4027953" y="2724912"/>
+              <a:ext cx="2035560" cy="774192"/>
+            </a:xfrm>
+            <a:prstGeom prst="rect">
+              <a:avLst/>
+            </a:prstGeom>
+          </p:spPr>
+        </p:pic>
+        <p:sp>
+          <p:nvSpPr>
+            <p:cNvPr id="43" name="文本框 42">
+              <a:extLst>
+                <a:ext uri="{FF2B5EF4-FFF2-40B4-BE49-F238E27FC236}">
+                  <a16:creationId xmlns:a16="http://schemas.microsoft.com/office/drawing/2014/main" id="{A9F1FFA1-EC94-4432-A5B3-367C145C6E8F}"/>
+                </a:ext>
+              </a:extLst>
+            </p:cNvPr>
+            <p:cNvSpPr txBox="1"/>
+            <p:nvPr/>
+          </p:nvSpPr>
+          <p:spPr>
+            <a:xfrm>
+              <a:off x="4376928" y="3377804"/>
+              <a:ext cx="1072896" cy="246221"/>
+            </a:xfrm>
+            <a:prstGeom prst="rect">
+              <a:avLst/>
+            </a:prstGeom>
+            <a:noFill/>
+          </p:spPr>
+          <p:txBody>
+            <a:bodyPr wrap="square" rtlCol="0">
+              <a:spAutoFit/>
+            </a:bodyPr>
+            <a:lstStyle/>
+            <a:p>
+              <a:r>
+                <a:rPr lang="zh-CN" altLang="en-US" sz="1000" b="1" dirty="0"/>
+                <a:t>电驱动模块</a:t>
+              </a:r>
+            </a:p>
+          </p:txBody>
+        </p:sp>
+      </p:grpSp>
     </p:spTree>
     <p:extLst>
       <p:ext uri="{BB962C8B-B14F-4D97-AF65-F5344CB8AC3E}">
